--- a/Présentation Lifiled.pptx
+++ b/Présentation Lifiled.pptx
@@ -1332,7 +1332,7 @@
           <a:p>
             <a:fld id="{03D2FCEE-C878-4494-9A31-48D11D51863D}" type="datetimeFigureOut">
               <a:rPr lang="fr-FR" smtClean="0"/>
-              <a:t>01/11/2022</a:t>
+              <a:t>04/11/2022</a:t>
             </a:fld>
             <a:endParaRPr lang="fr-FR"/>
           </a:p>
@@ -1570,7 +1570,7 @@
           <a:p>
             <a:fld id="{03D2FCEE-C878-4494-9A31-48D11D51863D}" type="datetimeFigureOut">
               <a:rPr lang="fr-FR" smtClean="0"/>
-              <a:t>01/11/2022</a:t>
+              <a:t>04/11/2022</a:t>
             </a:fld>
             <a:endParaRPr lang="fr-FR"/>
           </a:p>
@@ -1750,7 +1750,7 @@
           <a:p>
             <a:fld id="{03D2FCEE-C878-4494-9A31-48D11D51863D}" type="datetimeFigureOut">
               <a:rPr lang="fr-FR" smtClean="0"/>
-              <a:t>01/11/2022</a:t>
+              <a:t>04/11/2022</a:t>
             </a:fld>
             <a:endParaRPr lang="fr-FR"/>
           </a:p>
@@ -1920,7 +1920,7 @@
           <a:p>
             <a:fld id="{03D2FCEE-C878-4494-9A31-48D11D51863D}" type="datetimeFigureOut">
               <a:rPr lang="fr-FR" smtClean="0"/>
-              <a:t>01/11/2022</a:t>
+              <a:t>04/11/2022</a:t>
             </a:fld>
             <a:endParaRPr lang="fr-FR"/>
           </a:p>
@@ -2196,7 +2196,7 @@
           <a:p>
             <a:fld id="{03D2FCEE-C878-4494-9A31-48D11D51863D}" type="datetimeFigureOut">
               <a:rPr lang="fr-FR" smtClean="0"/>
-              <a:t>01/11/2022</a:t>
+              <a:t>04/11/2022</a:t>
             </a:fld>
             <a:endParaRPr lang="fr-FR"/>
           </a:p>
@@ -3397,7 +3397,7 @@
           <a:p>
             <a:fld id="{03D2FCEE-C878-4494-9A31-48D11D51863D}" type="datetimeFigureOut">
               <a:rPr lang="fr-FR" smtClean="0"/>
-              <a:t>01/11/2022</a:t>
+              <a:t>04/11/2022</a:t>
             </a:fld>
             <a:endParaRPr lang="fr-FR"/>
           </a:p>
@@ -3787,7 +3787,7 @@
           <a:p>
             <a:fld id="{03D2FCEE-C878-4494-9A31-48D11D51863D}" type="datetimeFigureOut">
               <a:rPr lang="fr-FR" smtClean="0"/>
-              <a:t>01/11/2022</a:t>
+              <a:t>04/11/2022</a:t>
             </a:fld>
             <a:endParaRPr lang="fr-FR"/>
           </a:p>
@@ -3910,7 +3910,7 @@
           <a:p>
             <a:fld id="{03D2FCEE-C878-4494-9A31-48D11D51863D}" type="datetimeFigureOut">
               <a:rPr lang="fr-FR" smtClean="0"/>
-              <a:t>01/11/2022</a:t>
+              <a:t>04/11/2022</a:t>
             </a:fld>
             <a:endParaRPr lang="fr-FR"/>
           </a:p>
@@ -4005,7 +4005,7 @@
           <a:p>
             <a:fld id="{03D2FCEE-C878-4494-9A31-48D11D51863D}" type="datetimeFigureOut">
               <a:rPr lang="fr-FR" smtClean="0"/>
-              <a:t>01/11/2022</a:t>
+              <a:t>04/11/2022</a:t>
             </a:fld>
             <a:endParaRPr lang="fr-FR"/>
           </a:p>
@@ -4768,7 +4768,7 @@
           <a:p>
             <a:fld id="{03D2FCEE-C878-4494-9A31-48D11D51863D}" type="datetimeFigureOut">
               <a:rPr lang="fr-FR" smtClean="0"/>
-              <a:t>01/11/2022</a:t>
+              <a:t>04/11/2022</a:t>
             </a:fld>
             <a:endParaRPr lang="fr-FR"/>
           </a:p>
@@ -5608,7 +5608,7 @@
           <a:p>
             <a:fld id="{03D2FCEE-C878-4494-9A31-48D11D51863D}" type="datetimeFigureOut">
               <a:rPr lang="fr-FR" smtClean="0"/>
-              <a:t>01/11/2022</a:t>
+              <a:t>04/11/2022</a:t>
             </a:fld>
             <a:endParaRPr lang="fr-FR"/>
           </a:p>
@@ -5835,7 +5835,7 @@
           <a:p>
             <a:fld id="{03D2FCEE-C878-4494-9A31-48D11D51863D}" type="datetimeFigureOut">
               <a:rPr lang="fr-FR" smtClean="0"/>
-              <a:t>01/11/2022</a:t>
+              <a:t>04/11/2022</a:t>
             </a:fld>
             <a:endParaRPr lang="fr-FR"/>
           </a:p>
@@ -7043,6 +7043,19 @@
               <a:rPr lang="fr-FR" dirty="0"/>
               <a:t>Technologie solide et sécurisé</a:t>
             </a:r>
+            <a:endParaRPr lang="fr-FR" dirty="0">
+              <a:solidFill>
+                <a:srgbClr val="F8F8F2"/>
+              </a:solidFill>
+              <a:latin typeface="Consolas" panose="020B0609020204030204" pitchFamily="49" charset="0"/>
+            </a:endParaRPr>
+          </a:p>
+          <a:p>
+            <a:r>
+              <a:rPr lang="fr-FR"/>
+              <a:t>https://mktraore94.github.io/lifi/</a:t>
+            </a:r>
+            <a:endParaRPr lang="fr-FR" dirty="0"/>
           </a:p>
         </p:txBody>
       </p:sp>

--- a/Présentation Lifiled.pptx
+++ b/Présentation Lifiled.pptx
@@ -7052,9 +7052,23 @@
           </a:p>
           <a:p>
             <a:r>
-              <a:rPr lang="fr-FR"/>
+              <a:rPr lang="fr-FR" dirty="0">
+                <a:hlinkClick r:id="rId2"/>
+              </a:rPr>
               <a:t>https://mktraore94.github.io/lifi/</a:t>
             </a:r>
+            <a:endParaRPr lang="fr-FR" dirty="0"/>
+          </a:p>
+          <a:p>
+            <a:r>
+              <a:rPr lang="fr-FR">
+                <a:hlinkClick r:id="rId3"/>
+              </a:rPr>
+              <a:t>https://fromsmash.com/presentation-site-lifiled</a:t>
+            </a:r>
+            <a:endParaRPr lang="fr-FR"/>
+          </a:p>
+          <a:p>
             <a:endParaRPr lang="fr-FR" dirty="0"/>
           </a:p>
         </p:txBody>
